--- a/combined_figures.pptx
+++ b/combined_figures.pptx
@@ -6,8 +6,10 @@
   </p:sldMasterIdLst>
   <p:sldIdLst>
     <p:sldId id="256" r:id="rId2"/>
-    <p:sldId id="257" r:id="rId3"/>
-    <p:sldId id="258" r:id="rId4"/>
+    <p:sldId id="259" r:id="rId3"/>
+    <p:sldId id="257" r:id="rId4"/>
+    <p:sldId id="258" r:id="rId5"/>
+    <p:sldId id="260" r:id="rId6"/>
   </p:sldIdLst>
   <p:sldSz cx="12192000" cy="6858000"/>
   <p:notesSz cx="6858000" cy="9144000"/>
@@ -263,7 +265,7 @@
           <a:p>
             <a:fld id="{749EB50E-0909-B348-828B-6657335A7410}" type="datetimeFigureOut">
               <a:rPr lang="en-US" smtClean="0"/>
-              <a:t>4/22/20</a:t>
+              <a:t>4/24/20</a:t>
             </a:fld>
             <a:endParaRPr lang="en-US"/>
           </a:p>
@@ -463,7 +465,7 @@
           <a:p>
             <a:fld id="{749EB50E-0909-B348-828B-6657335A7410}" type="datetimeFigureOut">
               <a:rPr lang="en-US" smtClean="0"/>
-              <a:t>4/22/20</a:t>
+              <a:t>4/24/20</a:t>
             </a:fld>
             <a:endParaRPr lang="en-US"/>
           </a:p>
@@ -673,7 +675,7 @@
           <a:p>
             <a:fld id="{749EB50E-0909-B348-828B-6657335A7410}" type="datetimeFigureOut">
               <a:rPr lang="en-US" smtClean="0"/>
-              <a:t>4/22/20</a:t>
+              <a:t>4/24/20</a:t>
             </a:fld>
             <a:endParaRPr lang="en-US"/>
           </a:p>
@@ -873,7 +875,7 @@
           <a:p>
             <a:fld id="{749EB50E-0909-B348-828B-6657335A7410}" type="datetimeFigureOut">
               <a:rPr lang="en-US" smtClean="0"/>
-              <a:t>4/22/20</a:t>
+              <a:t>4/24/20</a:t>
             </a:fld>
             <a:endParaRPr lang="en-US"/>
           </a:p>
@@ -1149,7 +1151,7 @@
           <a:p>
             <a:fld id="{749EB50E-0909-B348-828B-6657335A7410}" type="datetimeFigureOut">
               <a:rPr lang="en-US" smtClean="0"/>
-              <a:t>4/22/20</a:t>
+              <a:t>4/24/20</a:t>
             </a:fld>
             <a:endParaRPr lang="en-US"/>
           </a:p>
@@ -1417,7 +1419,7 @@
           <a:p>
             <a:fld id="{749EB50E-0909-B348-828B-6657335A7410}" type="datetimeFigureOut">
               <a:rPr lang="en-US" smtClean="0"/>
-              <a:t>4/22/20</a:t>
+              <a:t>4/24/20</a:t>
             </a:fld>
             <a:endParaRPr lang="en-US"/>
           </a:p>
@@ -1832,7 +1834,7 @@
           <a:p>
             <a:fld id="{749EB50E-0909-B348-828B-6657335A7410}" type="datetimeFigureOut">
               <a:rPr lang="en-US" smtClean="0"/>
-              <a:t>4/22/20</a:t>
+              <a:t>4/24/20</a:t>
             </a:fld>
             <a:endParaRPr lang="en-US"/>
           </a:p>
@@ -1974,7 +1976,7 @@
           <a:p>
             <a:fld id="{749EB50E-0909-B348-828B-6657335A7410}" type="datetimeFigureOut">
               <a:rPr lang="en-US" smtClean="0"/>
-              <a:t>4/22/20</a:t>
+              <a:t>4/24/20</a:t>
             </a:fld>
             <a:endParaRPr lang="en-US"/>
           </a:p>
@@ -2087,7 +2089,7 @@
           <a:p>
             <a:fld id="{749EB50E-0909-B348-828B-6657335A7410}" type="datetimeFigureOut">
               <a:rPr lang="en-US" smtClean="0"/>
-              <a:t>4/22/20</a:t>
+              <a:t>4/24/20</a:t>
             </a:fld>
             <a:endParaRPr lang="en-US"/>
           </a:p>
@@ -2400,7 +2402,7 @@
           <a:p>
             <a:fld id="{749EB50E-0909-B348-828B-6657335A7410}" type="datetimeFigureOut">
               <a:rPr lang="en-US" smtClean="0"/>
-              <a:t>4/22/20</a:t>
+              <a:t>4/24/20</a:t>
             </a:fld>
             <a:endParaRPr lang="en-US"/>
           </a:p>
@@ -2689,7 +2691,7 @@
           <a:p>
             <a:fld id="{749EB50E-0909-B348-828B-6657335A7410}" type="datetimeFigureOut">
               <a:rPr lang="en-US" smtClean="0"/>
-              <a:t>4/22/20</a:t>
+              <a:t>4/24/20</a:t>
             </a:fld>
             <a:endParaRPr lang="en-US"/>
           </a:p>
@@ -2932,7 +2934,7 @@
           <a:p>
             <a:fld id="{749EB50E-0909-B348-828B-6657335A7410}" type="datetimeFigureOut">
               <a:rPr lang="en-US" smtClean="0"/>
-              <a:t>4/22/20</a:t>
+              <a:t>4/24/20</a:t>
             </a:fld>
             <a:endParaRPr lang="en-US"/>
           </a:p>
@@ -3471,6 +3473,126 @@
       </p:grpSpPr>
       <p:pic>
         <p:nvPicPr>
+          <p:cNvPr id="14" name="Picture 13">
+            <a:extLst>
+              <a:ext uri="{FF2B5EF4-FFF2-40B4-BE49-F238E27FC236}">
+                <a16:creationId xmlns:a16="http://schemas.microsoft.com/office/drawing/2014/main" id="{D2F6488A-ED76-2C4B-9D79-E1B9BFBCEBA7}"/>
+              </a:ext>
+            </a:extLst>
+          </p:cNvPr>
+          <p:cNvPicPr>
+            <a:picLocks noChangeAspect="1"/>
+          </p:cNvPicPr>
+          <p:nvPr/>
+        </p:nvPicPr>
+        <p:blipFill>
+          <a:blip r:embed="rId2"/>
+          <a:stretch>
+            <a:fillRect/>
+          </a:stretch>
+        </p:blipFill>
+        <p:spPr>
+          <a:xfrm>
+            <a:off x="0" y="2254313"/>
+            <a:ext cx="4104993" cy="2736662"/>
+          </a:xfrm>
+          <a:prstGeom prst="rect">
+            <a:avLst/>
+          </a:prstGeom>
+        </p:spPr>
+      </p:pic>
+      <p:pic>
+        <p:nvPicPr>
+          <p:cNvPr id="20" name="Picture 19">
+            <a:extLst>
+              <a:ext uri="{FF2B5EF4-FFF2-40B4-BE49-F238E27FC236}">
+                <a16:creationId xmlns:a16="http://schemas.microsoft.com/office/drawing/2014/main" id="{3EEA03BA-E015-394F-863F-C2DCBCCD3CAF}"/>
+              </a:ext>
+            </a:extLst>
+          </p:cNvPr>
+          <p:cNvPicPr>
+            <a:picLocks noChangeAspect="1"/>
+          </p:cNvPicPr>
+          <p:nvPr/>
+        </p:nvPicPr>
+        <p:blipFill>
+          <a:blip r:embed="rId3"/>
+          <a:stretch>
+            <a:fillRect/>
+          </a:stretch>
+        </p:blipFill>
+        <p:spPr>
+          <a:xfrm>
+            <a:off x="8028157" y="2254312"/>
+            <a:ext cx="4172894" cy="2781929"/>
+          </a:xfrm>
+          <a:prstGeom prst="rect">
+            <a:avLst/>
+          </a:prstGeom>
+        </p:spPr>
+      </p:pic>
+      <p:pic>
+        <p:nvPicPr>
+          <p:cNvPr id="22" name="Picture 21">
+            <a:extLst>
+              <a:ext uri="{FF2B5EF4-FFF2-40B4-BE49-F238E27FC236}">
+                <a16:creationId xmlns:a16="http://schemas.microsoft.com/office/drawing/2014/main" id="{26788599-9065-144B-B4CE-C5E3F736EBA3}"/>
+              </a:ext>
+            </a:extLst>
+          </p:cNvPr>
+          <p:cNvPicPr>
+            <a:picLocks noChangeAspect="1"/>
+          </p:cNvPicPr>
+          <p:nvPr/>
+        </p:nvPicPr>
+        <p:blipFill>
+          <a:blip r:embed="rId4"/>
+          <a:stretch>
+            <a:fillRect/>
+          </a:stretch>
+        </p:blipFill>
+        <p:spPr>
+          <a:xfrm>
+            <a:off x="3982016" y="2254312"/>
+            <a:ext cx="4172894" cy="2781929"/>
+          </a:xfrm>
+          <a:prstGeom prst="rect">
+            <a:avLst/>
+          </a:prstGeom>
+        </p:spPr>
+      </p:pic>
+    </p:spTree>
+    <p:extLst>
+      <p:ext uri="{BB962C8B-B14F-4D97-AF65-F5344CB8AC3E}">
+        <p14:creationId xmlns:p14="http://schemas.microsoft.com/office/powerpoint/2010/main" val="3393458934"/>
+      </p:ext>
+    </p:extLst>
+  </p:cSld>
+  <p:clrMapOvr>
+    <a:masterClrMapping/>
+  </p:clrMapOvr>
+</p:sld>
+</file>
+
+<file path=ppt/slides/slide3.xml><?xml version="1.0" encoding="utf-8"?>
+<p:sld xmlns:a="http://schemas.openxmlformats.org/drawingml/2006/main" xmlns:r="http://schemas.openxmlformats.org/officeDocument/2006/relationships" xmlns:p="http://schemas.openxmlformats.org/presentationml/2006/main">
+  <p:cSld>
+    <p:spTree>
+      <p:nvGrpSpPr>
+        <p:cNvPr id="1" name=""/>
+        <p:cNvGrpSpPr/>
+        <p:nvPr/>
+      </p:nvGrpSpPr>
+      <p:grpSpPr>
+        <a:xfrm>
+          <a:off x="0" y="0"/>
+          <a:ext cx="0" cy="0"/>
+          <a:chOff x="0" y="0"/>
+          <a:chExt cx="0" cy="0"/>
+        </a:xfrm>
+      </p:grpSpPr>
+      <p:pic>
+        <p:nvPicPr>
           <p:cNvPr id="8" name="Picture 7">
             <a:extLst>
               <a:ext uri="{FF2B5EF4-FFF2-40B4-BE49-F238E27FC236}">
@@ -3542,7 +3664,7 @@
 </p:sld>
 </file>
 
-<file path=ppt/slides/slide3.xml><?xml version="1.0" encoding="utf-8"?>
+<file path=ppt/slides/slide4.xml><?xml version="1.0" encoding="utf-8"?>
 <p:sld xmlns:a="http://schemas.openxmlformats.org/drawingml/2006/main" xmlns:r="http://schemas.openxmlformats.org/officeDocument/2006/relationships" xmlns:p="http://schemas.openxmlformats.org/presentationml/2006/main">
   <p:cSld>
     <p:spTree>
@@ -3683,6 +3805,299 @@
     <p:extLst>
       <p:ext uri="{BB962C8B-B14F-4D97-AF65-F5344CB8AC3E}">
         <p14:creationId xmlns:p14="http://schemas.microsoft.com/office/powerpoint/2010/main" val="298841810"/>
+      </p:ext>
+    </p:extLst>
+  </p:cSld>
+  <p:clrMapOvr>
+    <a:masterClrMapping/>
+  </p:clrMapOvr>
+</p:sld>
+</file>
+
+<file path=ppt/slides/slide5.xml><?xml version="1.0" encoding="utf-8"?>
+<p:sld xmlns:a="http://schemas.openxmlformats.org/drawingml/2006/main" xmlns:r="http://schemas.openxmlformats.org/officeDocument/2006/relationships" xmlns:p="http://schemas.openxmlformats.org/presentationml/2006/main">
+  <p:cSld>
+    <p:spTree>
+      <p:nvGrpSpPr>
+        <p:cNvPr id="1" name=""/>
+        <p:cNvGrpSpPr/>
+        <p:nvPr/>
+      </p:nvGrpSpPr>
+      <p:grpSpPr>
+        <a:xfrm>
+          <a:off x="0" y="0"/>
+          <a:ext cx="0" cy="0"/>
+          <a:chOff x="0" y="0"/>
+          <a:chExt cx="0" cy="0"/>
+        </a:xfrm>
+      </p:grpSpPr>
+      <p:pic>
+        <p:nvPicPr>
+          <p:cNvPr id="5" name="Picture 4">
+            <a:extLst>
+              <a:ext uri="{FF2B5EF4-FFF2-40B4-BE49-F238E27FC236}">
+                <a16:creationId xmlns:a16="http://schemas.microsoft.com/office/drawing/2014/main" id="{6368DB6F-0E43-CA46-ABA5-158514087EFA}"/>
+              </a:ext>
+            </a:extLst>
+          </p:cNvPr>
+          <p:cNvPicPr>
+            <a:picLocks noChangeAspect="1"/>
+          </p:cNvPicPr>
+          <p:nvPr/>
+        </p:nvPicPr>
+        <p:blipFill>
+          <a:blip r:embed="rId2"/>
+          <a:stretch>
+            <a:fillRect/>
+          </a:stretch>
+        </p:blipFill>
+        <p:spPr>
+          <a:xfrm>
+            <a:off x="2875478" y="571525"/>
+            <a:ext cx="3283122" cy="2532392"/>
+          </a:xfrm>
+          <a:prstGeom prst="rect">
+            <a:avLst/>
+          </a:prstGeom>
+        </p:spPr>
+      </p:pic>
+      <p:sp>
+        <p:nvSpPr>
+          <p:cNvPr id="6" name="TextBox 5">
+            <a:extLst>
+              <a:ext uri="{FF2B5EF4-FFF2-40B4-BE49-F238E27FC236}">
+                <a16:creationId xmlns:a16="http://schemas.microsoft.com/office/drawing/2014/main" id="{B11D7113-BC4A-A74B-8701-29EBAA94E12C}"/>
+              </a:ext>
+            </a:extLst>
+          </p:cNvPr>
+          <p:cNvSpPr txBox="1"/>
+          <p:nvPr/>
+        </p:nvSpPr>
+        <p:spPr>
+          <a:xfrm>
+            <a:off x="2875478" y="202193"/>
+            <a:ext cx="3283122" cy="369332"/>
+          </a:xfrm>
+          <a:prstGeom prst="rect">
+            <a:avLst/>
+          </a:prstGeom>
+          <a:noFill/>
+        </p:spPr>
+        <p:txBody>
+          <a:bodyPr wrap="square" rtlCol="0">
+            <a:spAutoFit/>
+          </a:bodyPr>
+          <a:lstStyle/>
+          <a:p>
+            <a:pPr algn="ctr"/>
+            <a:r>
+              <a:rPr lang="en-US" dirty="0"/>
+              <a:t>Pittsburg, Pennsylvania</a:t>
+            </a:r>
+          </a:p>
+        </p:txBody>
+      </p:sp>
+      <p:pic>
+        <p:nvPicPr>
+          <p:cNvPr id="8" name="Picture 7">
+            <a:extLst>
+              <a:ext uri="{FF2B5EF4-FFF2-40B4-BE49-F238E27FC236}">
+                <a16:creationId xmlns:a16="http://schemas.microsoft.com/office/drawing/2014/main" id="{9A14FDEB-891F-C848-9E35-2AD3FEB29FE7}"/>
+              </a:ext>
+            </a:extLst>
+          </p:cNvPr>
+          <p:cNvPicPr>
+            <a:picLocks noChangeAspect="1"/>
+          </p:cNvPicPr>
+          <p:nvPr/>
+        </p:nvPicPr>
+        <p:blipFill>
+          <a:blip r:embed="rId3"/>
+          <a:stretch>
+            <a:fillRect/>
+          </a:stretch>
+        </p:blipFill>
+        <p:spPr>
+          <a:xfrm>
+            <a:off x="6290938" y="571526"/>
+            <a:ext cx="3378771" cy="2532392"/>
+          </a:xfrm>
+          <a:prstGeom prst="rect">
+            <a:avLst/>
+          </a:prstGeom>
+        </p:spPr>
+      </p:pic>
+      <p:sp>
+        <p:nvSpPr>
+          <p:cNvPr id="9" name="TextBox 8">
+            <a:extLst>
+              <a:ext uri="{FF2B5EF4-FFF2-40B4-BE49-F238E27FC236}">
+                <a16:creationId xmlns:a16="http://schemas.microsoft.com/office/drawing/2014/main" id="{B16AEDC6-A473-9243-82B9-91BCEB01BBFC}"/>
+              </a:ext>
+            </a:extLst>
+          </p:cNvPr>
+          <p:cNvSpPr txBox="1"/>
+          <p:nvPr/>
+        </p:nvSpPr>
+        <p:spPr>
+          <a:xfrm>
+            <a:off x="6290937" y="177819"/>
+            <a:ext cx="3378771" cy="369332"/>
+          </a:xfrm>
+          <a:prstGeom prst="rect">
+            <a:avLst/>
+          </a:prstGeom>
+          <a:noFill/>
+        </p:spPr>
+        <p:txBody>
+          <a:bodyPr wrap="square" rtlCol="0">
+            <a:spAutoFit/>
+          </a:bodyPr>
+          <a:lstStyle/>
+          <a:p>
+            <a:pPr algn="ctr"/>
+            <a:r>
+              <a:rPr lang="en-US" dirty="0"/>
+              <a:t>Las Vegas, Nevada</a:t>
+            </a:r>
+          </a:p>
+        </p:txBody>
+      </p:sp>
+      <p:pic>
+        <p:nvPicPr>
+          <p:cNvPr id="11" name="Picture 10">
+            <a:extLst>
+              <a:ext uri="{FF2B5EF4-FFF2-40B4-BE49-F238E27FC236}">
+                <a16:creationId xmlns:a16="http://schemas.microsoft.com/office/drawing/2014/main" id="{F915D937-7E4E-114C-96DA-E0E812851F67}"/>
+              </a:ext>
+            </a:extLst>
+          </p:cNvPr>
+          <p:cNvPicPr>
+            <a:picLocks noChangeAspect="1"/>
+          </p:cNvPicPr>
+          <p:nvPr/>
+        </p:nvPicPr>
+        <p:blipFill>
+          <a:blip r:embed="rId4"/>
+          <a:stretch>
+            <a:fillRect/>
+          </a:stretch>
+        </p:blipFill>
+        <p:spPr>
+          <a:xfrm>
+            <a:off x="2875478" y="3492172"/>
+            <a:ext cx="3283122" cy="2668861"/>
+          </a:xfrm>
+          <a:prstGeom prst="rect">
+            <a:avLst/>
+          </a:prstGeom>
+        </p:spPr>
+      </p:pic>
+      <p:sp>
+        <p:nvSpPr>
+          <p:cNvPr id="12" name="TextBox 11">
+            <a:extLst>
+              <a:ext uri="{FF2B5EF4-FFF2-40B4-BE49-F238E27FC236}">
+                <a16:creationId xmlns:a16="http://schemas.microsoft.com/office/drawing/2014/main" id="{DFCB497F-2CA2-9846-BB5A-82714E76A816}"/>
+              </a:ext>
+            </a:extLst>
+          </p:cNvPr>
+          <p:cNvSpPr txBox="1"/>
+          <p:nvPr/>
+        </p:nvSpPr>
+        <p:spPr>
+          <a:xfrm>
+            <a:off x="2875478" y="3103917"/>
+            <a:ext cx="3283121" cy="369332"/>
+          </a:xfrm>
+          <a:prstGeom prst="rect">
+            <a:avLst/>
+          </a:prstGeom>
+          <a:noFill/>
+        </p:spPr>
+        <p:txBody>
+          <a:bodyPr wrap="square" rtlCol="0">
+            <a:spAutoFit/>
+          </a:bodyPr>
+          <a:lstStyle/>
+          <a:p>
+            <a:pPr algn="ctr"/>
+            <a:r>
+              <a:rPr lang="en-US" dirty="0"/>
+              <a:t>Cleaveland, Ohio</a:t>
+            </a:r>
+          </a:p>
+        </p:txBody>
+      </p:sp>
+      <p:pic>
+        <p:nvPicPr>
+          <p:cNvPr id="14" name="Picture 13">
+            <a:extLst>
+              <a:ext uri="{FF2B5EF4-FFF2-40B4-BE49-F238E27FC236}">
+                <a16:creationId xmlns:a16="http://schemas.microsoft.com/office/drawing/2014/main" id="{644F8190-4A3E-2141-89C1-31025AF77DF2}"/>
+              </a:ext>
+            </a:extLst>
+          </p:cNvPr>
+          <p:cNvPicPr>
+            <a:picLocks noChangeAspect="1"/>
+          </p:cNvPicPr>
+          <p:nvPr/>
+        </p:nvPicPr>
+        <p:blipFill rotWithShape="1">
+          <a:blip r:embed="rId5"/>
+          <a:srcRect t="10105" b="9625"/>
+          <a:stretch/>
+        </p:blipFill>
+        <p:spPr>
+          <a:xfrm>
+            <a:off x="6290937" y="3473249"/>
+            <a:ext cx="3378771" cy="2687783"/>
+          </a:xfrm>
+          <a:prstGeom prst="rect">
+            <a:avLst/>
+          </a:prstGeom>
+        </p:spPr>
+      </p:pic>
+      <p:sp>
+        <p:nvSpPr>
+          <p:cNvPr id="15" name="TextBox 14">
+            <a:extLst>
+              <a:ext uri="{FF2B5EF4-FFF2-40B4-BE49-F238E27FC236}">
+                <a16:creationId xmlns:a16="http://schemas.microsoft.com/office/drawing/2014/main" id="{9B739663-1A01-A34B-A515-F32A41F2865E}"/>
+              </a:ext>
+            </a:extLst>
+          </p:cNvPr>
+          <p:cNvSpPr txBox="1"/>
+          <p:nvPr/>
+        </p:nvSpPr>
+        <p:spPr>
+          <a:xfrm>
+            <a:off x="6290937" y="3103917"/>
+            <a:ext cx="3378771" cy="369332"/>
+          </a:xfrm>
+          <a:prstGeom prst="rect">
+            <a:avLst/>
+          </a:prstGeom>
+          <a:noFill/>
+        </p:spPr>
+        <p:txBody>
+          <a:bodyPr wrap="square" rtlCol="0">
+            <a:spAutoFit/>
+          </a:bodyPr>
+          <a:lstStyle/>
+          <a:p>
+            <a:pPr algn="ctr" fontAlgn="base"/>
+            <a:r>
+              <a:rPr lang="en-SG" dirty="0"/>
+              <a:t>Charlotte, North Carolina</a:t>
+            </a:r>
+          </a:p>
+        </p:txBody>
+      </p:sp>
+    </p:spTree>
+    <p:extLst>
+      <p:ext uri="{BB962C8B-B14F-4D97-AF65-F5344CB8AC3E}">
+        <p14:creationId xmlns:p14="http://schemas.microsoft.com/office/powerpoint/2010/main" val="1526057806"/>
       </p:ext>
     </p:extLst>
   </p:cSld>
